--- a/桃園市交通事故地圖.pptx
+++ b/桃園市交通事故地圖.pptx
@@ -110,6 +110,11 @@
       </a:defRPr>
     </a:lvl9pPr>
   </p:defaultTextStyle>
+  <p:extLst>
+    <p:ext uri="{EFAFB233-063F-42B5-8137-9DF3F51BA10A}">
+      <p15:sldGuideLst xmlns:p15="http://schemas.microsoft.com/office/powerpoint/2012/main"/>
+    </p:ext>
+  </p:extLst>
 </p:presentation>
 </file>
 
@@ -3777,17 +3782,39 @@
         </p:nvSpPr>
         <p:spPr/>
         <p:txBody>
-          <a:bodyPr/>
-          <a:lstStyle/>
-          <a:p>
-            <a:r>
-              <a:rPr lang="zh-TW" altLang="en-US" dirty="0" smtClean="0">
+          <a:bodyPr>
+            <a:noAutofit/>
+          </a:bodyPr>
+          <a:lstStyle/>
+          <a:p>
+            <a:r>
+              <a:rPr lang="zh-TW" altLang="en-US" sz="2800" dirty="0" smtClean="0">
                 <a:latin typeface="微軟正黑體" panose="020B0604030504040204" pitchFamily="34" charset="-120"/>
                 <a:ea typeface="微軟正黑體" panose="020B0604030504040204" pitchFamily="34" charset="-120"/>
               </a:rPr>
-              <a:t>有鑑於交通事故每天在各個路段發生，為了減少事故發生，因此透過事故的分析，來了解各種事故的發生原因，如此一來，不但可以提醒民眾，也可以讓政府知道哪些路段的設備或路面需要改善</a:t>
-            </a:r>
-            <a:endParaRPr lang="en-US" dirty="0">
+              <a:t>有鑑於交通事故每天在各個路段發生，為了減少事故發生，因此透過事故的分析，來了解各種事故的發生原因，如此一來，不但可以提醒民眾，也可以讓政府知道哪些路段的</a:t>
+            </a:r>
+            <a:r>
+              <a:rPr lang="zh-TW" altLang="en-US" sz="2800" dirty="0" smtClean="0">
+                <a:latin typeface="微軟正黑體" panose="020B0604030504040204" pitchFamily="34" charset="-120"/>
+                <a:ea typeface="微軟正黑體" panose="020B0604030504040204" pitchFamily="34" charset="-120"/>
+              </a:rPr>
+              <a:t>設備可能需要改善</a:t>
+            </a:r>
+            <a:endParaRPr lang="en-US" altLang="zh-TW" sz="2800" dirty="0" smtClean="0">
+              <a:latin typeface="微軟正黑體" panose="020B0604030504040204" pitchFamily="34" charset="-120"/>
+              <a:ea typeface="微軟正黑體" panose="020B0604030504040204" pitchFamily="34" charset="-120"/>
+            </a:endParaRPr>
+          </a:p>
+          <a:p>
+            <a:r>
+              <a:rPr lang="zh-TW" altLang="en-US" sz="2800" dirty="0" smtClean="0">
+                <a:latin typeface="微軟正黑體" panose="020B0604030504040204" pitchFamily="34" charset="-120"/>
+                <a:ea typeface="微軟正黑體" panose="020B0604030504040204" pitchFamily="34" charset="-120"/>
+              </a:rPr>
+              <a:t>對於高事故頻率的路段加以凸顯，若事故原因是道路設計不良或用路狀況不佳，也有利地方的維護單位對路段多加保養或改善，也可以消除民眾對於這些路段的使用疑慮</a:t>
+            </a:r>
+            <a:endParaRPr lang="en-US" sz="2800" dirty="0">
               <a:latin typeface="微軟正黑體" panose="020B0604030504040204" pitchFamily="34" charset="-120"/>
               <a:ea typeface="微軟正黑體" panose="020B0604030504040204" pitchFamily="34" charset="-120"/>
             </a:endParaRPr>
@@ -3872,7 +3899,9 @@
         </p:nvSpPr>
         <p:spPr/>
         <p:txBody>
-          <a:bodyPr/>
+          <a:bodyPr>
+            <a:normAutofit/>
+          </a:bodyPr>
           <a:lstStyle/>
           <a:p>
             <a:pPr marL="457200" indent="-457200">
@@ -3880,13 +3909,13 @@
               <a:buAutoNum type="arabicPeriod"/>
             </a:pPr>
             <a:r>
-              <a:rPr lang="zh-TW" altLang="en-US" dirty="0" smtClean="0">
+              <a:rPr lang="zh-TW" altLang="en-US" sz="2800" dirty="0" smtClean="0">
                 <a:latin typeface="微軟正黑體" panose="020B0604030504040204" pitchFamily="34" charset="-120"/>
                 <a:ea typeface="微軟正黑體" panose="020B0604030504040204" pitchFamily="34" charset="-120"/>
               </a:rPr>
               <a:t>我們將目標區域鎖定在桃園市</a:t>
             </a:r>
-            <a:endParaRPr lang="en-US" dirty="0" smtClean="0">
+            <a:endParaRPr lang="en-US" sz="2800" dirty="0" smtClean="0">
               <a:latin typeface="微軟正黑體" panose="020B0604030504040204" pitchFamily="34" charset="-120"/>
               <a:ea typeface="微軟正黑體" panose="020B0604030504040204" pitchFamily="34" charset="-120"/>
             </a:endParaRPr>
@@ -3897,13 +3926,13 @@
               <a:buAutoNum type="arabicPeriod"/>
             </a:pPr>
             <a:r>
-              <a:rPr lang="zh-TW" altLang="en-US" dirty="0" smtClean="0">
+              <a:rPr lang="zh-TW" altLang="en-US" sz="2800" dirty="0" smtClean="0">
                 <a:latin typeface="微軟正黑體" panose="020B0604030504040204" pitchFamily="34" charset="-120"/>
                 <a:ea typeface="微軟正黑體" panose="020B0604030504040204" pitchFamily="34" charset="-120"/>
               </a:rPr>
               <a:t>用熱點地圖視覺化事故的發生數量</a:t>
             </a:r>
-            <a:endParaRPr lang="en-US" altLang="zh-TW" dirty="0" smtClean="0">
+            <a:endParaRPr lang="en-US" altLang="zh-TW" sz="2800" dirty="0" smtClean="0">
               <a:latin typeface="微軟正黑體" panose="020B0604030504040204" pitchFamily="34" charset="-120"/>
               <a:ea typeface="微軟正黑體" panose="020B0604030504040204" pitchFamily="34" charset="-120"/>
             </a:endParaRPr>
@@ -3914,13 +3943,13 @@
               <a:buAutoNum type="arabicPeriod"/>
             </a:pPr>
             <a:r>
-              <a:rPr lang="zh-TW" altLang="en-US" dirty="0" smtClean="0">
+              <a:rPr lang="zh-TW" altLang="en-US" sz="2800" dirty="0" smtClean="0">
                 <a:latin typeface="微軟正黑體" panose="020B0604030504040204" pitchFamily="34" charset="-120"/>
                 <a:ea typeface="微軟正黑體" panose="020B0604030504040204" pitchFamily="34" charset="-120"/>
               </a:rPr>
               <a:t>用氣泡圖顯現各區域的酒駕、限速與平均傷亡人數之間的關係</a:t>
             </a:r>
-            <a:endParaRPr lang="en-US" altLang="zh-TW" dirty="0">
+            <a:endParaRPr lang="en-US" altLang="zh-TW" sz="2800" dirty="0">
               <a:latin typeface="微軟正黑體" panose="020B0604030504040204" pitchFamily="34" charset="-120"/>
               <a:ea typeface="微軟正黑體" panose="020B0604030504040204" pitchFamily="34" charset="-120"/>
             </a:endParaRPr>
@@ -3931,13 +3960,13 @@
               <a:buAutoNum type="arabicPeriod"/>
             </a:pPr>
             <a:r>
-              <a:rPr lang="zh-TW" altLang="en-US" dirty="0" smtClean="0">
+              <a:rPr lang="zh-TW" altLang="en-US" sz="2800" dirty="0" smtClean="0">
                 <a:latin typeface="微軟正黑體" panose="020B0604030504040204" pitchFamily="34" charset="-120"/>
                 <a:ea typeface="微軟正黑體" panose="020B0604030504040204" pitchFamily="34" charset="-120"/>
               </a:rPr>
               <a:t>用長條圖依次數多寡呈現各區域的事故原因</a:t>
             </a:r>
-            <a:endParaRPr lang="en-US" dirty="0">
+            <a:endParaRPr lang="en-US" sz="2800" dirty="0">
               <a:latin typeface="微軟正黑體" panose="020B0604030504040204" pitchFamily="34" charset="-120"/>
               <a:ea typeface="微軟正黑體" panose="020B0604030504040204" pitchFamily="34" charset="-120"/>
             </a:endParaRPr>
@@ -4022,62 +4051,64 @@
         </p:nvSpPr>
         <p:spPr/>
         <p:txBody>
-          <a:bodyPr/>
-          <a:lstStyle/>
-          <a:p>
-            <a:r>
-              <a:rPr lang="zh-TW" altLang="en-US" dirty="0">
+          <a:bodyPr>
+            <a:normAutofit/>
+          </a:bodyPr>
+          <a:lstStyle/>
+          <a:p>
+            <a:r>
+              <a:rPr lang="zh-TW" altLang="en-US" sz="2800" dirty="0">
                 <a:latin typeface="微軟正黑體" panose="020B0604030504040204" pitchFamily="34" charset="-120"/>
                 <a:ea typeface="微軟正黑體" panose="020B0604030504040204" pitchFamily="34" charset="-120"/>
               </a:rPr>
               <a:t>將</a:t>
             </a:r>
             <a:r>
-              <a:rPr lang="zh-TW" altLang="en-US" dirty="0" smtClean="0">
+              <a:rPr lang="zh-TW" altLang="en-US" sz="2800" dirty="0" smtClean="0">
                 <a:latin typeface="微軟正黑體" panose="020B0604030504040204" pitchFamily="34" charset="-120"/>
                 <a:ea typeface="微軟正黑體" panose="020B0604030504040204" pitchFamily="34" charset="-120"/>
               </a:rPr>
               <a:t>桃園市各區域事故標記於地圖上，形成熱點圖</a:t>
             </a:r>
-            <a:endParaRPr lang="en-US" altLang="zh-TW" dirty="0" smtClean="0">
+            <a:endParaRPr lang="en-US" altLang="zh-TW" sz="2800" dirty="0" smtClean="0">
               <a:latin typeface="微軟正黑體" panose="020B0604030504040204" pitchFamily="34" charset="-120"/>
               <a:ea typeface="微軟正黑體" panose="020B0604030504040204" pitchFamily="34" charset="-120"/>
             </a:endParaRPr>
           </a:p>
           <a:p>
             <a:r>
-              <a:rPr lang="zh-TW" altLang="en-US" dirty="0" smtClean="0">
+              <a:rPr lang="zh-TW" altLang="en-US" sz="2800" dirty="0" smtClean="0">
                 <a:latin typeface="微軟正黑體" panose="020B0604030504040204" pitchFamily="34" charset="-120"/>
                 <a:ea typeface="微軟正黑體" panose="020B0604030504040204" pitchFamily="34" charset="-120"/>
               </a:rPr>
               <a:t>統計桃園各區域的事故，推演限速、駕駛者酒精濃度以及傷亡人數之關係，並繪製成氣泡圖</a:t>
             </a:r>
-            <a:endParaRPr lang="en-US" altLang="zh-TW" dirty="0" smtClean="0">
+            <a:endParaRPr lang="en-US" altLang="zh-TW" sz="2800" dirty="0" smtClean="0">
               <a:latin typeface="微軟正黑體" panose="020B0604030504040204" pitchFamily="34" charset="-120"/>
               <a:ea typeface="微軟正黑體" panose="020B0604030504040204" pitchFamily="34" charset="-120"/>
             </a:endParaRPr>
           </a:p>
           <a:p>
             <a:r>
-              <a:rPr lang="zh-TW" altLang="en-US" dirty="0" smtClean="0">
+              <a:rPr lang="zh-TW" altLang="en-US" sz="2800" dirty="0" smtClean="0">
                 <a:latin typeface="微軟正黑體" panose="020B0604030504040204" pitchFamily="34" charset="-120"/>
                 <a:ea typeface="微軟正黑體" panose="020B0604030504040204" pitchFamily="34" charset="-120"/>
               </a:rPr>
               <a:t>依事故原因加總桃園各區域的事故次數，並以長條圖降冪呈現</a:t>
             </a:r>
-            <a:endParaRPr lang="en-US" altLang="zh-TW" dirty="0" smtClean="0">
+            <a:endParaRPr lang="en-US" altLang="zh-TW" sz="2800" dirty="0" smtClean="0">
               <a:latin typeface="微軟正黑體" panose="020B0604030504040204" pitchFamily="34" charset="-120"/>
               <a:ea typeface="微軟正黑體" panose="020B0604030504040204" pitchFamily="34" charset="-120"/>
             </a:endParaRPr>
           </a:p>
           <a:p>
-            <a:endParaRPr lang="en-US" altLang="zh-TW" dirty="0" smtClean="0">
+            <a:endParaRPr lang="en-US" altLang="zh-TW" sz="2800" dirty="0" smtClean="0">
               <a:latin typeface="微軟正黑體" panose="020B0604030504040204" pitchFamily="34" charset="-120"/>
               <a:ea typeface="微軟正黑體" panose="020B0604030504040204" pitchFamily="34" charset="-120"/>
             </a:endParaRPr>
           </a:p>
           <a:p>
-            <a:endParaRPr lang="en-US" dirty="0">
+            <a:endParaRPr lang="en-US" sz="2800" dirty="0">
               <a:latin typeface="微軟正黑體" panose="020B0604030504040204" pitchFamily="34" charset="-120"/>
               <a:ea typeface="微軟正黑體" panose="020B0604030504040204" pitchFamily="34" charset="-120"/>
             </a:endParaRPr>
@@ -4106,8 +4137,8 @@
         </p:blipFill>
         <p:spPr>
           <a:xfrm>
-            <a:off x="9090590" y="839762"/>
-            <a:ext cx="1013992" cy="1013992"/>
+            <a:off x="9854037" y="373382"/>
+            <a:ext cx="1480372" cy="1480372"/>
           </a:xfrm>
           <a:prstGeom prst="rect">
             <a:avLst/>
@@ -4136,7 +4167,7 @@
         </p:blipFill>
         <p:spPr>
           <a:xfrm>
-            <a:off x="844070" y="4243182"/>
+            <a:off x="364165" y="4417446"/>
             <a:ext cx="1381252" cy="1381252"/>
           </a:xfrm>
           <a:prstGeom prst="rect">
@@ -4166,7 +4197,7 @@
         </p:blipFill>
         <p:spPr>
           <a:xfrm>
-            <a:off x="9090590" y="4618180"/>
+            <a:off x="10688367" y="4627417"/>
             <a:ext cx="1503633" cy="1503633"/>
           </a:xfrm>
           <a:prstGeom prst="rect">
@@ -4252,17 +4283,19 @@
         </p:nvSpPr>
         <p:spPr/>
         <p:txBody>
-          <a:bodyPr/>
-          <a:lstStyle/>
-          <a:p>
-            <a:r>
-              <a:rPr lang="zh-TW" altLang="en-US" dirty="0" smtClean="0">
+          <a:bodyPr>
+            <a:noAutofit/>
+          </a:bodyPr>
+          <a:lstStyle/>
+          <a:p>
+            <a:r>
+              <a:rPr lang="zh-TW" altLang="en-US" sz="2400" dirty="0" smtClean="0">
                 <a:latin typeface="微軟正黑體" panose="020B0604030504040204" pitchFamily="34" charset="-120"/>
                 <a:ea typeface="微軟正黑體" panose="020B0604030504040204" pitchFamily="34" charset="-120"/>
               </a:rPr>
               <a:t>後端：</a:t>
             </a:r>
-            <a:endParaRPr lang="en-US" altLang="zh-TW" dirty="0" smtClean="0">
+            <a:endParaRPr lang="en-US" altLang="zh-TW" sz="2400" dirty="0" smtClean="0">
               <a:latin typeface="微軟正黑體" panose="020B0604030504040204" pitchFamily="34" charset="-120"/>
               <a:ea typeface="微軟正黑體" panose="020B0604030504040204" pitchFamily="34" charset="-120"/>
             </a:endParaRPr>
@@ -4273,7 +4306,7 @@
               <a:buChar char="q"/>
             </a:pPr>
             <a:r>
-              <a:rPr lang="en-US" dirty="0" smtClean="0">
+              <a:rPr lang="en-US" sz="2400" dirty="0" smtClean="0">
                 <a:latin typeface="微軟正黑體" panose="020B0604030504040204" pitchFamily="34" charset="-120"/>
                 <a:ea typeface="微軟正黑體" panose="020B0604030504040204" pitchFamily="34" charset="-120"/>
               </a:rPr>
@@ -4282,13 +4315,13 @@
           </a:p>
           <a:p>
             <a:r>
-              <a:rPr lang="zh-TW" altLang="en-US" dirty="0" smtClean="0">
+              <a:rPr lang="zh-TW" altLang="en-US" sz="2400" dirty="0" smtClean="0">
                 <a:latin typeface="微軟正黑體" panose="020B0604030504040204" pitchFamily="34" charset="-120"/>
                 <a:ea typeface="微軟正黑體" panose="020B0604030504040204" pitchFamily="34" charset="-120"/>
               </a:rPr>
               <a:t>前端：</a:t>
             </a:r>
-            <a:endParaRPr lang="en-US" altLang="zh-TW" dirty="0" smtClean="0">
+            <a:endParaRPr lang="en-US" altLang="zh-TW" sz="2400" dirty="0" smtClean="0">
               <a:latin typeface="微軟正黑體" panose="020B0604030504040204" pitchFamily="34" charset="-120"/>
               <a:ea typeface="微軟正黑體" panose="020B0604030504040204" pitchFamily="34" charset="-120"/>
             </a:endParaRPr>
@@ -4299,33 +4332,33 @@
               <a:buChar char="q"/>
             </a:pPr>
             <a:r>
-              <a:rPr lang="en-US" dirty="0" err="1" smtClean="0">
+              <a:rPr lang="en-US" sz="2400" dirty="0" err="1" smtClean="0">
                 <a:latin typeface="微軟正黑體" panose="020B0604030504040204" pitchFamily="34" charset="-120"/>
                 <a:ea typeface="微軟正黑體" panose="020B0604030504040204" pitchFamily="34" charset="-120"/>
               </a:rPr>
               <a:t>NodeJS</a:t>
             </a:r>
-            <a:endParaRPr lang="en-US" dirty="0" smtClean="0">
+            <a:endParaRPr lang="en-US" sz="2400" dirty="0" smtClean="0">
               <a:latin typeface="微軟正黑體" panose="020B0604030504040204" pitchFamily="34" charset="-120"/>
               <a:ea typeface="微軟正黑體" panose="020B0604030504040204" pitchFamily="34" charset="-120"/>
             </a:endParaRPr>
           </a:p>
           <a:p>
             <a:r>
-              <a:rPr lang="en-US" altLang="zh-TW" dirty="0" smtClean="0">
+              <a:rPr lang="en-US" altLang="zh-TW" sz="2400" dirty="0" smtClean="0">
                 <a:latin typeface="微軟正黑體" panose="020B0604030504040204" pitchFamily="34" charset="-120"/>
                 <a:ea typeface="微軟正黑體" panose="020B0604030504040204" pitchFamily="34" charset="-120"/>
               </a:rPr>
               <a:t>API</a:t>
             </a:r>
             <a:r>
-              <a:rPr lang="zh-TW" altLang="en-US" dirty="0" smtClean="0">
+              <a:rPr lang="zh-TW" altLang="en-US" sz="2400" dirty="0" smtClean="0">
                 <a:latin typeface="微軟正黑體" panose="020B0604030504040204" pitchFamily="34" charset="-120"/>
                 <a:ea typeface="微軟正黑體" panose="020B0604030504040204" pitchFamily="34" charset="-120"/>
               </a:rPr>
               <a:t>：</a:t>
             </a:r>
-            <a:endParaRPr lang="en-US" altLang="zh-TW" dirty="0" smtClean="0">
+            <a:endParaRPr lang="en-US" altLang="zh-TW" sz="2400" dirty="0" smtClean="0">
               <a:latin typeface="微軟正黑體" panose="020B0604030504040204" pitchFamily="34" charset="-120"/>
               <a:ea typeface="微軟正黑體" panose="020B0604030504040204" pitchFamily="34" charset="-120"/>
             </a:endParaRPr>
@@ -4336,7 +4369,7 @@
               <a:buChar char="q"/>
             </a:pPr>
             <a:r>
-              <a:rPr lang="en-US" dirty="0" smtClean="0">
+              <a:rPr lang="en-US" sz="2400" dirty="0" smtClean="0">
                 <a:latin typeface="微軟正黑體" panose="020B0604030504040204" pitchFamily="34" charset="-120"/>
                 <a:ea typeface="微軟正黑體" panose="020B0604030504040204" pitchFamily="34" charset="-120"/>
               </a:rPr>
@@ -4349,7 +4382,7 @@
               <a:buChar char="q"/>
             </a:pPr>
             <a:r>
-              <a:rPr lang="en-US" dirty="0" smtClean="0">
+              <a:rPr lang="en-US" sz="2400" dirty="0" smtClean="0">
                 <a:latin typeface="微軟正黑體" panose="020B0604030504040204" pitchFamily="34" charset="-120"/>
                 <a:ea typeface="微軟正黑體" panose="020B0604030504040204" pitchFamily="34" charset="-120"/>
               </a:rPr>
@@ -4523,29 +4556,78 @@
           <a:lstStyle/>
           <a:p>
             <a:r>
-              <a:rPr lang="zh-TW" altLang="en-US" dirty="0" smtClean="0"/>
+              <a:rPr lang="zh-TW" altLang="en-US" sz="4800" dirty="0" smtClean="0">
+                <a:latin typeface="微軟正黑體" panose="020B0604030504040204" pitchFamily="34" charset="-120"/>
+                <a:ea typeface="微軟正黑體" panose="020B0604030504040204" pitchFamily="34" charset="-120"/>
+              </a:rPr>
               <a:t>成果</a:t>
             </a:r>
-            <a:endParaRPr lang="en-US" dirty="0"/>
-          </a:p>
-        </p:txBody>
-      </p:sp>
-      <p:sp>
-        <p:nvSpPr>
-          <p:cNvPr id="3" name="內容版面配置區 2"/>
-          <p:cNvSpPr>
-            <a:spLocks noGrp="1"/>
-          </p:cNvSpPr>
+            <a:endParaRPr lang="en-US" sz="4800" dirty="0">
+              <a:latin typeface="微軟正黑體" panose="020B0604030504040204" pitchFamily="34" charset="-120"/>
+              <a:ea typeface="微軟正黑體" panose="020B0604030504040204" pitchFamily="34" charset="-120"/>
+            </a:endParaRPr>
+          </a:p>
+        </p:txBody>
+      </p:sp>
+      <p:pic>
+        <p:nvPicPr>
+          <p:cNvPr id="4" name="內容版面配置區 3"/>
+          <p:cNvPicPr>
+            <a:picLocks noGrp="1" noChangeAspect="1"/>
+          </p:cNvPicPr>
           <p:nvPr>
             <p:ph idx="1"/>
           </p:nvPr>
-        </p:nvSpPr>
-        <p:spPr/>
-        <p:txBody>
-          <a:bodyPr/>
-          <a:lstStyle/>
-          <a:p>
-            <a:endParaRPr lang="en-US"/>
+        </p:nvPicPr>
+        <p:blipFill>
+          <a:blip r:embed="rId2"/>
+          <a:stretch>
+            <a:fillRect/>
+          </a:stretch>
+        </p:blipFill>
+        <p:spPr>
+          <a:xfrm>
+            <a:off x="3420115" y="1853754"/>
+            <a:ext cx="4116758" cy="3926998"/>
+          </a:xfrm>
+          <a:prstGeom prst="rect">
+            <a:avLst/>
+          </a:prstGeom>
+        </p:spPr>
+      </p:pic>
+      <p:sp>
+        <p:nvSpPr>
+          <p:cNvPr id="5" name="文字方塊 4"/>
+          <p:cNvSpPr txBox="1"/>
+          <p:nvPr/>
+        </p:nvSpPr>
+        <p:spPr>
+          <a:xfrm>
+            <a:off x="7869383" y="5061527"/>
+            <a:ext cx="2429162" cy="461665"/>
+          </a:xfrm>
+          <a:prstGeom prst="rect">
+            <a:avLst/>
+          </a:prstGeom>
+          <a:noFill/>
+        </p:spPr>
+        <p:txBody>
+          <a:bodyPr wrap="square" rtlCol="0">
+            <a:spAutoFit/>
+          </a:bodyPr>
+          <a:lstStyle/>
+          <a:p>
+            <a:r>
+              <a:rPr lang="zh-TW" altLang="en-US" sz="2400" dirty="0" smtClean="0">
+                <a:latin typeface="微軟正黑體" panose="020B0604030504040204" pitchFamily="34" charset="-120"/>
+                <a:ea typeface="微軟正黑體" panose="020B0604030504040204" pitchFamily="34" charset="-120"/>
+              </a:rPr>
+              <a:t>交通事故熱點圖</a:t>
+            </a:r>
+            <a:endParaRPr lang="en-US" sz="2400" dirty="0">
+              <a:latin typeface="微軟正黑體" panose="020B0604030504040204" pitchFamily="34" charset="-120"/>
+              <a:ea typeface="微軟正黑體" panose="020B0604030504040204" pitchFamily="34" charset="-120"/>
+            </a:endParaRPr>
           </a:p>
         </p:txBody>
       </p:sp>

--- a/桃園市交通事故地圖.pptx
+++ b/桃園市交通事故地圖.pptx
@@ -1,6 +1,6 @@
 
 <file path=ppt/presentation.xml><?xml version="1.0" encoding="utf-8"?>
-<p:presentation xmlns:a="http://schemas.openxmlformats.org/drawingml/2006/main" xmlns:r="http://schemas.openxmlformats.org/officeDocument/2006/relationships" xmlns:p="http://schemas.openxmlformats.org/presentationml/2006/main" autoCompressPictures="0">
+<p:presentation xmlns:a="http://schemas.openxmlformats.org/drawingml/2006/main" xmlns:r="http://schemas.openxmlformats.org/officeDocument/2006/relationships" xmlns:p="http://schemas.openxmlformats.org/presentationml/2006/main" saveSubsetFonts="1" autoCompressPictures="0">
   <p:sldMasterIdLst>
     <p:sldMasterId id="2147483648" r:id="rId1"/>
   </p:sldMasterIdLst>
@@ -257,7 +257,7 @@
           <a:p>
             <a:fld id="{A423BF71-38B7-8642-BFCE-EDAE9BD0CBAF}" type="datetimeFigureOut">
               <a:rPr lang="en-US" dirty="0"/>
-              <a:t>11/25/2017</a:t>
+              <a:t>11/25/17</a:t>
             </a:fld>
             <a:endParaRPr lang="en-US" dirty="0"/>
           </a:p>
@@ -469,7 +469,7 @@
           <a:p>
             <a:fld id="{73B025CB-9D18-264E-A945-2D020344C9DA}" type="datetimeFigureOut">
               <a:rPr lang="en-US" dirty="0"/>
-              <a:t>11/25/2017</a:t>
+              <a:t>11/25/17</a:t>
             </a:fld>
             <a:endParaRPr lang="en-US" dirty="0"/>
           </a:p>
@@ -685,7 +685,7 @@
           <a:p>
             <a:fld id="{507EFB6C-7E96-8F41-8872-189CA1C59F84}" type="datetimeFigureOut">
               <a:rPr lang="en-US" dirty="0"/>
-              <a:t>11/25/2017</a:t>
+              <a:t>11/25/17</a:t>
             </a:fld>
             <a:endParaRPr lang="en-US" dirty="0"/>
           </a:p>
@@ -887,7 +887,7 @@
           <a:p>
             <a:fld id="{B6981CDE-9BE7-C544-8ACB-7077DFC4270F}" type="datetimeFigureOut">
               <a:rPr lang="en-US" dirty="0"/>
-              <a:t>11/25/2017</a:t>
+              <a:t>11/25/17</a:t>
             </a:fld>
             <a:endParaRPr lang="en-US" dirty="0"/>
           </a:p>
@@ -1167,7 +1167,7 @@
           <a:p>
             <a:fld id="{B55BA285-9698-1B45-8319-D90A8C63F150}" type="datetimeFigureOut">
               <a:rPr lang="en-US" dirty="0"/>
-              <a:t>11/25/2017</a:t>
+              <a:t>11/25/17</a:t>
             </a:fld>
             <a:endParaRPr lang="en-US" dirty="0"/>
           </a:p>
@@ -1436,7 +1436,7 @@
           <a:p>
             <a:fld id="{0A86CD42-43FF-B740-998F-DCC3802C4CE3}" type="datetimeFigureOut">
               <a:rPr lang="en-US" dirty="0"/>
-              <a:t>11/25/2017</a:t>
+              <a:t>11/25/17</a:t>
             </a:fld>
             <a:endParaRPr lang="en-US" dirty="0"/>
           </a:p>
@@ -1853,7 +1853,7 @@
           <a:p>
             <a:fld id="{CEA0FFBD-2EE4-8547-BBAE-A1AC91C8D77E}" type="datetimeFigureOut">
               <a:rPr lang="en-US" dirty="0"/>
-              <a:t>11/25/2017</a:t>
+              <a:t>11/25/17</a:t>
             </a:fld>
             <a:endParaRPr lang="en-US" dirty="0"/>
           </a:p>
@@ -2003,7 +2003,7 @@
           <a:p>
             <a:fld id="{955A2352-D7AC-F242-9256-A4477BCBF354}" type="datetimeFigureOut">
               <a:rPr lang="en-US" dirty="0"/>
-              <a:t>11/25/2017</a:t>
+              <a:t>11/25/17</a:t>
             </a:fld>
             <a:endParaRPr lang="en-US" dirty="0"/>
           </a:p>
@@ -2130,7 +2130,7 @@
           <a:p>
             <a:fld id="{4EFCFC6A-9AE6-404D-9FDD-168B477B9C90}" type="datetimeFigureOut">
               <a:rPr lang="en-US" dirty="0"/>
-              <a:t>11/25/2017</a:t>
+              <a:t>11/25/17</a:t>
             </a:fld>
             <a:endParaRPr lang="en-US" dirty="0"/>
           </a:p>
@@ -2376,7 +2376,7 @@
           <a:p>
             <a:fld id="{61CFCDFD-B4CF-A241-8D71-E814B10BEAF4}" type="datetimeFigureOut">
               <a:rPr lang="en-US" dirty="0"/>
-              <a:t>11/25/2017</a:t>
+              <a:t>11/25/17</a:t>
             </a:fld>
             <a:endParaRPr lang="en-US" dirty="0"/>
           </a:p>
@@ -2826,7 +2826,7 @@
           <a:p>
             <a:fld id="{26A7B589-FD4B-7E46-869A-CBADC5FC564E}" type="datetimeFigureOut">
               <a:rPr lang="en-US" dirty="0"/>
-              <a:t>11/25/2017</a:t>
+              <a:t>11/25/17</a:t>
             </a:fld>
             <a:endParaRPr lang="en-US" dirty="0"/>
           </a:p>
@@ -3147,7 +3147,7 @@
           <a:p>
             <a:fld id="{4CD8A92E-5FF9-8143-81B3-CCB531513398}" type="datetimeFigureOut">
               <a:rPr lang="en-US" dirty="0"/>
-              <a:t>11/25/2017</a:t>
+              <a:t>11/25/17</a:t>
             </a:fld>
             <a:endParaRPr lang="en-US" dirty="0"/>
           </a:p>
@@ -3792,14 +3792,7 @@
                 <a:latin typeface="微軟正黑體" panose="020B0604030504040204" pitchFamily="34" charset="-120"/>
                 <a:ea typeface="微軟正黑體" panose="020B0604030504040204" pitchFamily="34" charset="-120"/>
               </a:rPr>
-              <a:t>有鑑於交通事故每天在各個路段發生，為了減少事故發生，因此透過事故的分析，來了解各種事故的發生原因，如此一來，不但可以提醒民眾，也可以讓政府知道哪些路段的</a:t>
-            </a:r>
-            <a:r>
-              <a:rPr lang="zh-TW" altLang="en-US" sz="2800" dirty="0" smtClean="0">
-                <a:latin typeface="微軟正黑體" panose="020B0604030504040204" pitchFamily="34" charset="-120"/>
-                <a:ea typeface="微軟正黑體" panose="020B0604030504040204" pitchFamily="34" charset="-120"/>
-              </a:rPr>
-              <a:t>設備可能需要改善</a:t>
+              <a:t>有鑑於交通事故每天在各個路段發生，為了減少事故發生，因此透過事故的分析，來了解各種事故的發生原因，如此一來，不但可以提醒民眾，也可以讓政府知道哪些路段的設備可能需要改善</a:t>
             </a:r>
             <a:endParaRPr lang="en-US" altLang="zh-TW" sz="2800" dirty="0" smtClean="0">
               <a:latin typeface="微軟正黑體" panose="020B0604030504040204" pitchFamily="34" charset="-120"/>
@@ -4332,11 +4325,11 @@
               <a:buChar char="q"/>
             </a:pPr>
             <a:r>
-              <a:rPr lang="en-US" sz="2400" dirty="0" err="1" smtClean="0">
+              <a:rPr lang="en-US" sz="2400" dirty="0" smtClean="0">
                 <a:latin typeface="微軟正黑體" panose="020B0604030504040204" pitchFamily="34" charset="-120"/>
                 <a:ea typeface="微軟正黑體" panose="020B0604030504040204" pitchFamily="34" charset="-120"/>
               </a:rPr>
-              <a:t>NodeJS</a:t>
+              <a:t>JQuery</a:t>
             </a:r>
             <a:endParaRPr lang="en-US" sz="2400" dirty="0" smtClean="0">
               <a:latin typeface="微軟正黑體" panose="020B0604030504040204" pitchFamily="34" charset="-120"/>
@@ -4382,12 +4375,16 @@
               <a:buChar char="q"/>
             </a:pPr>
             <a:r>
-              <a:rPr lang="en-US" sz="2400" dirty="0" smtClean="0">
+              <a:rPr lang="en-US" sz="2400" dirty="0" err="1" smtClean="0">
                 <a:latin typeface="微軟正黑體" panose="020B0604030504040204" pitchFamily="34" charset="-120"/>
                 <a:ea typeface="微軟正黑體" panose="020B0604030504040204" pitchFamily="34" charset="-120"/>
               </a:rPr>
-              <a:t>High Charts</a:t>
-            </a:r>
+              <a:t>HighCharts.js</a:t>
+            </a:r>
+            <a:endParaRPr lang="en-US" sz="2400" dirty="0" smtClean="0">
+              <a:latin typeface="微軟正黑體" panose="020B0604030504040204" pitchFamily="34" charset="-120"/>
+              <a:ea typeface="微軟正黑體" panose="020B0604030504040204" pitchFamily="34" charset="-120"/>
+            </a:endParaRPr>
           </a:p>
         </p:txBody>
       </p:sp>
